--- a/Design_Automation/Slides/D-08-Synthesis.pptx
+++ b/Design_Automation/Slides/D-08-Synthesis.pptx
@@ -10527,13 +10527,14 @@
           <a:p>
             <a:pPr rtl="1"/>
             <a:r>
-              <a:rPr lang="fa-IR" altLang="en-US" smtClean="0"/>
+              <a:rPr lang="fa-IR" altLang="en-US" dirty="0" smtClean="0"/>
               <a:t>ابزار </a:t>
             </a:r>
             <a:r>
-              <a:rPr lang="en-US" altLang="en-US" smtClean="0"/>
-              <a:t>XST</a:t>
-            </a:r>
+              <a:rPr lang="en-US" altLang="en-US" dirty="0" err="1" smtClean="0"/>
+              <a:t>Vivado</a:t>
+            </a:r>
+            <a:endParaRPr lang="en-US" altLang="en-US" dirty="0" smtClean="0"/>
           </a:p>
         </p:txBody>
       </p:sp>
@@ -10553,40 +10554,44 @@
           <a:lstStyle/>
           <a:p>
             <a:r>
-              <a:rPr lang="fa-IR" altLang="en-US" smtClean="0"/>
+              <a:rPr lang="fa-IR" altLang="en-US" dirty="0" smtClean="0"/>
               <a:t>نکات کلی پیش + موارد جدید</a:t>
             </a:r>
           </a:p>
           <a:p>
             <a:pPr lvl="1"/>
             <a:r>
-              <a:rPr lang="fa-IR" altLang="en-US" smtClean="0"/>
+              <a:rPr lang="fa-IR" altLang="en-US" dirty="0" smtClean="0"/>
               <a:t>ابزارهای دیگر (</a:t>
             </a:r>
             <a:r>
-              <a:rPr lang="en-US" altLang="en-US" smtClean="0"/>
-              <a:t>Quartus II</a:t>
-            </a:r>
-            <a:r>
-              <a:rPr lang="fa-IR" altLang="en-US" smtClean="0"/>
+              <a:rPr lang="en-US" altLang="en-US" dirty="0" err="1" smtClean="0"/>
+              <a:t>Quartus</a:t>
+            </a:r>
+            <a:r>
+              <a:rPr lang="en-US" altLang="en-US" dirty="0" smtClean="0"/>
+              <a:t> II</a:t>
+            </a:r>
+            <a:r>
+              <a:rPr lang="fa-IR" altLang="en-US" dirty="0" smtClean="0"/>
               <a:t> و </a:t>
             </a:r>
             <a:r>
-              <a:rPr lang="en-US" altLang="en-US" smtClean="0"/>
+              <a:rPr lang="en-US" altLang="en-US" dirty="0" err="1" smtClean="0"/>
               <a:t>Synplify</a:t>
             </a:r>
             <a:r>
-              <a:rPr lang="fa-IR" altLang="en-US" smtClean="0"/>
+              <a:rPr lang="fa-IR" altLang="en-US" dirty="0" smtClean="0"/>
               <a:t>)</a:t>
             </a:r>
           </a:p>
           <a:p>
             <a:pPr lvl="2"/>
             <a:r>
-              <a:rPr lang="fa-IR" altLang="en-US" smtClean="0"/>
+              <a:rPr lang="fa-IR" altLang="en-US" dirty="0" smtClean="0"/>
               <a:t>مشابه ولی نه دقیقاً</a:t>
             </a:r>
-            <a:endParaRPr lang="en-US" altLang="en-US" smtClean="0"/>
+            <a:endParaRPr lang="en-US" altLang="en-US" dirty="0" smtClean="0"/>
           </a:p>
         </p:txBody>
       </p:sp>
@@ -11183,7 +11188,13 @@
           <p:cNvGraphicFramePr>
             <a:graphicFrameLocks/>
           </p:cNvGraphicFramePr>
-          <p:nvPr/>
+          <p:nvPr>
+            <p:extLst>
+              <p:ext uri="{D42A27DB-BD31-4B8C-83A1-F6EECF244321}">
+                <p14:modId xmlns:p14="http://schemas.microsoft.com/office/powerpoint/2010/main" val="3526910993"/>
+              </p:ext>
+            </p:extLst>
+          </p:nvPr>
         </p:nvGraphicFramePr>
         <p:xfrm>
           <a:off x="1187450" y="1341438"/>
@@ -11199,7 +11210,7 @@
                 <a:gridCol w="2182813">
                   <a:extLst>
                     <a:ext uri="{9D8B030D-6E8A-4147-A177-3AD203B41FA5}">
-                      <a16:colId xmlns="" xmlns:a16="http://schemas.microsoft.com/office/drawing/2014/main" val="3357882550"/>
+                      <a16:colId xmlns:a16="http://schemas.microsoft.com/office/drawing/2014/main" xmlns="" val="3357882550"/>
                     </a:ext>
                   </a:extLst>
                 </a:gridCol>
@@ -11288,7 +11299,7 @@
                 </a:tc>
                 <a:extLst>
                   <a:ext uri="{0D108BD9-81ED-4DB2-BD59-A6C34878D82A}">
-                    <a16:rowId xmlns="" xmlns:a16="http://schemas.microsoft.com/office/drawing/2014/main" val="1696335422"/>
+                    <a16:rowId xmlns:a16="http://schemas.microsoft.com/office/drawing/2014/main" xmlns="" val="1696335422"/>
                   </a:ext>
                 </a:extLst>
               </a:tr>
@@ -11376,7 +11387,7 @@
                 </a:tc>
                 <a:extLst>
                   <a:ext uri="{0D108BD9-81ED-4DB2-BD59-A6C34878D82A}">
-                    <a16:rowId xmlns="" xmlns:a16="http://schemas.microsoft.com/office/drawing/2014/main" val="584163571"/>
+                    <a16:rowId xmlns:a16="http://schemas.microsoft.com/office/drawing/2014/main" xmlns="" val="584163571"/>
                   </a:ext>
                 </a:extLst>
               </a:tr>
@@ -11464,7 +11475,7 @@
                 </a:tc>
                 <a:extLst>
                   <a:ext uri="{0D108BD9-81ED-4DB2-BD59-A6C34878D82A}">
-                    <a16:rowId xmlns="" xmlns:a16="http://schemas.microsoft.com/office/drawing/2014/main" val="1099507774"/>
+                    <a16:rowId xmlns:a16="http://schemas.microsoft.com/office/drawing/2014/main" xmlns="" val="1099507774"/>
                   </a:ext>
                 </a:extLst>
               </a:tr>
@@ -11552,7 +11563,7 @@
                 </a:tc>
                 <a:extLst>
                   <a:ext uri="{0D108BD9-81ED-4DB2-BD59-A6C34878D82A}">
-                    <a16:rowId xmlns="" xmlns:a16="http://schemas.microsoft.com/office/drawing/2014/main" val="3140162992"/>
+                    <a16:rowId xmlns:a16="http://schemas.microsoft.com/office/drawing/2014/main" xmlns="" val="3140162992"/>
                   </a:ext>
                 </a:extLst>
               </a:tr>
@@ -11640,7 +11651,7 @@
                 </a:tc>
                 <a:extLst>
                   <a:ext uri="{0D108BD9-81ED-4DB2-BD59-A6C34878D82A}">
-                    <a16:rowId xmlns="" xmlns:a16="http://schemas.microsoft.com/office/drawing/2014/main" val="983867067"/>
+                    <a16:rowId xmlns:a16="http://schemas.microsoft.com/office/drawing/2014/main" xmlns="" val="983867067"/>
                   </a:ext>
                 </a:extLst>
               </a:tr>
@@ -11728,7 +11739,7 @@
                 </a:tc>
                 <a:extLst>
                   <a:ext uri="{0D108BD9-81ED-4DB2-BD59-A6C34878D82A}">
-                    <a16:rowId xmlns="" xmlns:a16="http://schemas.microsoft.com/office/drawing/2014/main" val="3725013838"/>
+                    <a16:rowId xmlns:a16="http://schemas.microsoft.com/office/drawing/2014/main" xmlns="" val="3725013838"/>
                   </a:ext>
                 </a:extLst>
               </a:tr>
@@ -11816,7 +11827,7 @@
                 </a:tc>
                 <a:extLst>
                   <a:ext uri="{0D108BD9-81ED-4DB2-BD59-A6C34878D82A}">
-                    <a16:rowId xmlns="" xmlns:a16="http://schemas.microsoft.com/office/drawing/2014/main" val="12871730"/>
+                    <a16:rowId xmlns:a16="http://schemas.microsoft.com/office/drawing/2014/main" xmlns="" val="12871730"/>
                   </a:ext>
                 </a:extLst>
               </a:tr>
@@ -11838,15 +11849,15 @@
                         </a:spcAft>
                       </a:pPr>
                       <a:r>
-                        <a:rPr lang="en-US" sz="1400">
+                        <a:rPr lang="en-US" sz="1400" dirty="0" err="1" smtClean="0">
                           <a:solidFill>
                             <a:schemeClr val="accent2"/>
                           </a:solidFill>
                           <a:effectLst/>
                         </a:rPr>
-                        <a:t>std_ulogic_vector</a:t>
+                        <a:t>std_logic_vector</a:t>
                       </a:r>
-                      <a:endParaRPr lang="en-US" sz="1100">
+                      <a:endParaRPr lang="en-US" sz="1100" dirty="0">
                         <a:solidFill>
                           <a:schemeClr val="accent2"/>
                         </a:solidFill>
@@ -11904,7 +11915,7 @@
                 </a:tc>
                 <a:extLst>
                   <a:ext uri="{0D108BD9-81ED-4DB2-BD59-A6C34878D82A}">
-                    <a16:rowId xmlns="" xmlns:a16="http://schemas.microsoft.com/office/drawing/2014/main" val="2798188335"/>
+                    <a16:rowId xmlns:a16="http://schemas.microsoft.com/office/drawing/2014/main" xmlns="" val="2798188335"/>
                   </a:ext>
                 </a:extLst>
               </a:tr>
@@ -11992,7 +12003,7 @@
                 </a:tc>
                 <a:extLst>
                   <a:ext uri="{0D108BD9-81ED-4DB2-BD59-A6C34878D82A}">
-                    <a16:rowId xmlns="" xmlns:a16="http://schemas.microsoft.com/office/drawing/2014/main" val="1353669822"/>
+                    <a16:rowId xmlns:a16="http://schemas.microsoft.com/office/drawing/2014/main" xmlns="" val="1353669822"/>
                   </a:ext>
                 </a:extLst>
               </a:tr>
@@ -12080,7 +12091,7 @@
                 </a:tc>
                 <a:extLst>
                   <a:ext uri="{0D108BD9-81ED-4DB2-BD59-A6C34878D82A}">
-                    <a16:rowId xmlns="" xmlns:a16="http://schemas.microsoft.com/office/drawing/2014/main" val="505504939"/>
+                    <a16:rowId xmlns:a16="http://schemas.microsoft.com/office/drawing/2014/main" xmlns="" val="505504939"/>
                   </a:ext>
                 </a:extLst>
               </a:tr>
@@ -12168,7 +12179,7 @@
                 </a:tc>
                 <a:extLst>
                   <a:ext uri="{0D108BD9-81ED-4DB2-BD59-A6C34878D82A}">
-                    <a16:rowId xmlns="" xmlns:a16="http://schemas.microsoft.com/office/drawing/2014/main" val="21792544"/>
+                    <a16:rowId xmlns:a16="http://schemas.microsoft.com/office/drawing/2014/main" xmlns="" val="21792544"/>
                   </a:ext>
                 </a:extLst>
               </a:tr>
@@ -12256,7 +12267,7 @@
                 </a:tc>
                 <a:extLst>
                   <a:ext uri="{0D108BD9-81ED-4DB2-BD59-A6C34878D82A}">
-                    <a16:rowId xmlns="" xmlns:a16="http://schemas.microsoft.com/office/drawing/2014/main" val="3057891924"/>
+                    <a16:rowId xmlns:a16="http://schemas.microsoft.com/office/drawing/2014/main" xmlns="" val="3057891924"/>
                   </a:ext>
                 </a:extLst>
               </a:tr>
@@ -12344,7 +12355,7 @@
                 </a:tc>
                 <a:extLst>
                   <a:ext uri="{0D108BD9-81ED-4DB2-BD59-A6C34878D82A}">
-                    <a16:rowId xmlns="" xmlns:a16="http://schemas.microsoft.com/office/drawing/2014/main" val="4123391588"/>
+                    <a16:rowId xmlns:a16="http://schemas.microsoft.com/office/drawing/2014/main" xmlns="" val="4123391588"/>
                   </a:ext>
                 </a:extLst>
               </a:tr>
@@ -13963,7 +13974,7 @@
                 <a:gridCol w="2182813">
                   <a:extLst>
                     <a:ext uri="{9D8B030D-6E8A-4147-A177-3AD203B41FA5}">
-                      <a16:colId xmlns="" xmlns:a16="http://schemas.microsoft.com/office/drawing/2014/main" val="3357882550"/>
+                      <a16:colId xmlns:a16="http://schemas.microsoft.com/office/drawing/2014/main" xmlns="" val="3357882550"/>
                     </a:ext>
                   </a:extLst>
                 </a:gridCol>
@@ -14055,7 +14066,7 @@
                 </a:tc>
                 <a:extLst>
                   <a:ext uri="{0D108BD9-81ED-4DB2-BD59-A6C34878D82A}">
-                    <a16:rowId xmlns="" xmlns:a16="http://schemas.microsoft.com/office/drawing/2014/main" val="1696335422"/>
+                    <a16:rowId xmlns:a16="http://schemas.microsoft.com/office/drawing/2014/main" xmlns="" val="1696335422"/>
                   </a:ext>
                 </a:extLst>
               </a:tr>
@@ -14146,7 +14157,7 @@
                 </a:tc>
                 <a:extLst>
                   <a:ext uri="{0D108BD9-81ED-4DB2-BD59-A6C34878D82A}">
-                    <a16:rowId xmlns="" xmlns:a16="http://schemas.microsoft.com/office/drawing/2014/main" val="584163571"/>
+                    <a16:rowId xmlns:a16="http://schemas.microsoft.com/office/drawing/2014/main" xmlns="" val="584163571"/>
                   </a:ext>
                 </a:extLst>
               </a:tr>
@@ -14237,7 +14248,7 @@
                 </a:tc>
                 <a:extLst>
                   <a:ext uri="{0D108BD9-81ED-4DB2-BD59-A6C34878D82A}">
-                    <a16:rowId xmlns="" xmlns:a16="http://schemas.microsoft.com/office/drawing/2014/main" val="1099507774"/>
+                    <a16:rowId xmlns:a16="http://schemas.microsoft.com/office/drawing/2014/main" xmlns="" val="1099507774"/>
                   </a:ext>
                 </a:extLst>
               </a:tr>
@@ -14328,7 +14339,7 @@
                 </a:tc>
                 <a:extLst>
                   <a:ext uri="{0D108BD9-81ED-4DB2-BD59-A6C34878D82A}">
-                    <a16:rowId xmlns="" xmlns:a16="http://schemas.microsoft.com/office/drawing/2014/main" val="3140162992"/>
+                    <a16:rowId xmlns:a16="http://schemas.microsoft.com/office/drawing/2014/main" xmlns="" val="3140162992"/>
                   </a:ext>
                 </a:extLst>
               </a:tr>
@@ -14419,7 +14430,7 @@
                 </a:tc>
                 <a:extLst>
                   <a:ext uri="{0D108BD9-81ED-4DB2-BD59-A6C34878D82A}">
-                    <a16:rowId xmlns="" xmlns:a16="http://schemas.microsoft.com/office/drawing/2014/main" val="983867067"/>
+                    <a16:rowId xmlns:a16="http://schemas.microsoft.com/office/drawing/2014/main" xmlns="" val="983867067"/>
                   </a:ext>
                 </a:extLst>
               </a:tr>
@@ -14510,7 +14521,7 @@
                 </a:tc>
                 <a:extLst>
                   <a:ext uri="{0D108BD9-81ED-4DB2-BD59-A6C34878D82A}">
-                    <a16:rowId xmlns="" xmlns:a16="http://schemas.microsoft.com/office/drawing/2014/main" val="3725013838"/>
+                    <a16:rowId xmlns:a16="http://schemas.microsoft.com/office/drawing/2014/main" xmlns="" val="3725013838"/>
                   </a:ext>
                 </a:extLst>
               </a:tr>
@@ -14601,7 +14612,7 @@
                 </a:tc>
                 <a:extLst>
                   <a:ext uri="{0D108BD9-81ED-4DB2-BD59-A6C34878D82A}">
-                    <a16:rowId xmlns="" xmlns:a16="http://schemas.microsoft.com/office/drawing/2014/main" val="12871730"/>
+                    <a16:rowId xmlns:a16="http://schemas.microsoft.com/office/drawing/2014/main" xmlns="" val="12871730"/>
                   </a:ext>
                 </a:extLst>
               </a:tr>
@@ -18318,14 +18329,14 @@
           <a:lstStyle/>
           <a:p>
             <a:r>
-              <a:rPr lang="fa-IR" altLang="en-US" smtClean="0"/>
+              <a:rPr lang="fa-IR" altLang="en-US" dirty="0" smtClean="0"/>
               <a:t>آشنایی با عملکرد ابزارهای سنتز</a:t>
             </a:r>
           </a:p>
           <a:p>
             <a:pPr lvl="1"/>
             <a:r>
-              <a:rPr lang="fa-IR" altLang="en-US" smtClean="0">
+              <a:rPr lang="fa-IR" altLang="en-US" dirty="0" smtClean="0">
                 <a:sym typeface="Wingdings" panose="05000000000000000000" pitchFamily="2" charset="2"/>
               </a:rPr>
               <a:t>ملاحظات عمومی</a:t>
@@ -18334,7 +18345,7 @@
           <a:p>
             <a:pPr lvl="1"/>
             <a:r>
-              <a:rPr lang="fa-IR" altLang="en-US" smtClean="0">
+              <a:rPr lang="fa-IR" altLang="en-US" dirty="0" smtClean="0">
                 <a:sym typeface="Wingdings" panose="05000000000000000000" pitchFamily="2" charset="2"/>
               </a:rPr>
               <a:t>ملاحظات خاص ابزار</a:t>
@@ -18342,26 +18353,26 @@
           </a:p>
           <a:p>
             <a:pPr lvl="1"/>
-            <a:endParaRPr lang="fa-IR" altLang="en-US" smtClean="0"/>
+            <a:endParaRPr lang="fa-IR" altLang="en-US" dirty="0" smtClean="0"/>
           </a:p>
           <a:p>
             <a:pPr lvl="1"/>
             <a:r>
-              <a:rPr lang="fa-IR" altLang="en-US" smtClean="0"/>
+              <a:rPr lang="fa-IR" altLang="en-US" dirty="0" smtClean="0"/>
               <a:t>هنگام کدنویسی‏ خود را جای ابزار بگذارید</a:t>
             </a:r>
           </a:p>
           <a:p>
             <a:pPr lvl="2"/>
             <a:r>
-              <a:rPr lang="fa-IR" altLang="en-US" smtClean="0"/>
-              <a:t>مداری که تولید می‌شود تجسم کنید</a:t>
+              <a:rPr lang="fa-IR" altLang="en-US" dirty="0" smtClean="0"/>
+              <a:t>مداری را که تولید می‌شود تجسم کنید</a:t>
             </a:r>
           </a:p>
           <a:p>
             <a:pPr lvl="2"/>
             <a:r>
-              <a:rPr lang="fa-IR" altLang="en-US" smtClean="0">
+              <a:rPr lang="fa-IR" altLang="en-US" dirty="0" smtClean="0">
                 <a:sym typeface="Wingdings" panose="05000000000000000000" pitchFamily="2" charset="2"/>
               </a:rPr>
               <a:t> انتخاب مناسب از بین گزینه‌های کدنویسی</a:t>
@@ -18369,18 +18380,18 @@
           </a:p>
           <a:p>
             <a:pPr lvl="2"/>
-            <a:endParaRPr lang="fa-IR" altLang="en-US" smtClean="0">
+            <a:endParaRPr lang="fa-IR" altLang="en-US" dirty="0" smtClean="0">
               <a:sym typeface="Wingdings" panose="05000000000000000000" pitchFamily="2" charset="2"/>
             </a:endParaRPr>
           </a:p>
           <a:p>
             <a:r>
-              <a:rPr lang="fa-IR" altLang="en-US" smtClean="0"/>
+              <a:rPr lang="fa-IR" altLang="en-US" dirty="0" smtClean="0"/>
               <a:t>آشنایی با مشخصات تراشه و محدودیت‌های آن</a:t>
             </a:r>
           </a:p>
           <a:p>
-            <a:endParaRPr lang="fa-IR" altLang="en-US" smtClean="0"/>
+            <a:endParaRPr lang="fa-IR" altLang="en-US" dirty="0" smtClean="0"/>
           </a:p>
         </p:txBody>
       </p:sp>
@@ -21837,42 +21848,53 @@
           <a:lstStyle/>
           <a:p>
             <a:r>
-              <a:rPr lang="en-US" altLang="en-US" smtClean="0"/>
+              <a:rPr lang="en-US" altLang="en-US" dirty="0" smtClean="0"/>
               <a:t>assert</a:t>
             </a:r>
             <a:r>
-              <a:rPr lang="fa-IR" altLang="en-US" smtClean="0"/>
+              <a:rPr lang="fa-IR" altLang="en-US" dirty="0" smtClean="0"/>
               <a:t>:</a:t>
             </a:r>
           </a:p>
           <a:p>
             <a:pPr lvl="1"/>
             <a:r>
-              <a:rPr lang="fa-IR" altLang="en-US" smtClean="0"/>
+              <a:rPr lang="fa-IR" altLang="en-US" dirty="0" smtClean="0"/>
               <a:t>برای بررسی شرایط سخت‌افزار هنگام شبیه‌سازی</a:t>
             </a:r>
           </a:p>
           <a:p>
+            <a:pPr lvl="2"/>
+            <a:r>
+              <a:rPr lang="fa-IR" altLang="en-US" dirty="0" smtClean="0"/>
+              <a:t>ابزار </a:t>
+            </a:r>
+            <a:r>
+              <a:rPr lang="fa-IR" altLang="en-US" dirty="0" smtClean="0"/>
+              <a:t>سنتز اشکال نمی‌گیرد</a:t>
+            </a:r>
+          </a:p>
+          <a:p>
+            <a:pPr lvl="2"/>
+            <a:r>
+              <a:rPr lang="fa-IR" altLang="en-US" dirty="0" smtClean="0"/>
+              <a:t>سخت‌افزاری هم تولید </a:t>
+            </a:r>
+            <a:r>
+              <a:rPr lang="fa-IR" altLang="en-US" dirty="0" smtClean="0"/>
+              <a:t>نمی‌کند</a:t>
+            </a:r>
+          </a:p>
+          <a:p>
             <a:pPr lvl="1"/>
             <a:r>
-              <a:rPr lang="fa-IR" altLang="en-US" smtClean="0"/>
+              <a:rPr lang="fa-IR" altLang="en-US" dirty="0"/>
               <a:t>در بدنة ترتیبی با شرط ایستا (زمان کامپایل معلوم باشد)</a:t>
             </a:r>
           </a:p>
           <a:p>
-            <a:pPr lvl="2"/>
-            <a:r>
-              <a:rPr lang="fa-IR" altLang="en-US" smtClean="0"/>
-              <a:t>ابزار سنتز اشکال نمی‌گیرد</a:t>
-            </a:r>
-          </a:p>
-          <a:p>
-            <a:pPr lvl="2"/>
-            <a:r>
-              <a:rPr lang="fa-IR" altLang="en-US" smtClean="0"/>
-              <a:t>سخت‌افزاری هم تولید نمی‌کند</a:t>
-            </a:r>
-            <a:endParaRPr lang="en-US" altLang="en-US" smtClean="0"/>
+            <a:pPr lvl="1"/>
+            <a:endParaRPr lang="en-US" altLang="en-US" dirty="0" smtClean="0"/>
           </a:p>
         </p:txBody>
       </p:sp>
@@ -31555,7 +31577,7 @@
               <a:buNone/>
             </a:pPr>
             <a:r>
-              <a:rPr lang="en-US" altLang="en-US" sz="1400">
+              <a:rPr lang="en-US" altLang="en-US" sz="1400" dirty="0">
                 <a:solidFill>
                   <a:srgbClr val="0000FF"/>
                 </a:solidFill>
@@ -31575,7 +31597,7 @@
               <a:buNone/>
             </a:pPr>
             <a:r>
-              <a:rPr lang="en-US" altLang="en-US" sz="1400">
+              <a:rPr lang="en-US" altLang="en-US" sz="1400" dirty="0" smtClean="0">
                 <a:solidFill>
                   <a:srgbClr val="0000FF"/>
                 </a:solidFill>
@@ -31583,10 +31605,21 @@
                 <a:ea typeface="Calibri" panose="020F0502020204030204" pitchFamily="34" charset="0"/>
                 <a:cs typeface="Courier New" panose="02070309020205020404" pitchFamily="49" charset="0"/>
               </a:rPr>
-              <a:t>   variable VAR1: std_logic;</a:t>
+              <a:t>begin</a:t>
+            </a:r>
+            <a:r>
+              <a:rPr lang="en-US" altLang="en-US" sz="1400" dirty="0">
+                <a:solidFill>
+                  <a:srgbClr val="0000FF"/>
+                </a:solidFill>
+                <a:latin typeface="Courier New" panose="02070309020205020404" pitchFamily="49" charset="0"/>
+                <a:ea typeface="Calibri" panose="020F0502020204030204" pitchFamily="34" charset="0"/>
+                <a:cs typeface="Courier New" panose="02070309020205020404" pitchFamily="49" charset="0"/>
+              </a:rPr>
+              <a:t/>
             </a:r>
             <a:br>
-              <a:rPr lang="en-US" altLang="en-US" sz="1400">
+              <a:rPr lang="en-US" altLang="en-US" sz="1400" dirty="0">
                 <a:solidFill>
                   <a:srgbClr val="0000FF"/>
                 </a:solidFill>
@@ -31596,7 +31629,7 @@
               </a:rPr>
             </a:br>
             <a:r>
-              <a:rPr lang="en-US" altLang="en-US" sz="1400">
+              <a:rPr lang="en-US" altLang="en-US" sz="1400" dirty="0">
                 <a:solidFill>
                   <a:srgbClr val="0000FF"/>
                 </a:solidFill>
@@ -31604,10 +31637,10 @@
                 <a:ea typeface="Calibri" panose="020F0502020204030204" pitchFamily="34" charset="0"/>
                 <a:cs typeface="Courier New" panose="02070309020205020404" pitchFamily="49" charset="0"/>
               </a:rPr>
-              <a:t>begin</a:t>
+              <a:t>   process (CLOCK)</a:t>
             </a:r>
             <a:br>
-              <a:rPr lang="en-US" altLang="en-US" sz="1400">
+              <a:rPr lang="en-US" altLang="en-US" sz="1400" dirty="0">
                 <a:solidFill>
                   <a:srgbClr val="0000FF"/>
                 </a:solidFill>
@@ -31617,7 +31650,7 @@
               </a:rPr>
             </a:br>
             <a:r>
-              <a:rPr lang="en-US" altLang="en-US" sz="1400">
+              <a:rPr lang="en-US" altLang="en-US" sz="1400" dirty="0" smtClean="0">
                 <a:solidFill>
                   <a:srgbClr val="0000FF"/>
                 </a:solidFill>
@@ -31625,10 +31658,43 @@
                 <a:ea typeface="Calibri" panose="020F0502020204030204" pitchFamily="34" charset="0"/>
                 <a:cs typeface="Courier New" panose="02070309020205020404" pitchFamily="49" charset="0"/>
               </a:rPr>
-              <a:t>   process (CLOCK)</a:t>
+              <a:t>      variable </a:t>
+            </a:r>
+            <a:r>
+              <a:rPr lang="en-US" altLang="en-US" sz="1400" dirty="0">
+                <a:solidFill>
+                  <a:srgbClr val="0000FF"/>
+                </a:solidFill>
+                <a:latin typeface="Courier New" panose="02070309020205020404" pitchFamily="49" charset="0"/>
+                <a:ea typeface="Calibri" panose="020F0502020204030204" pitchFamily="34" charset="0"/>
+                <a:cs typeface="Courier New" panose="02070309020205020404" pitchFamily="49" charset="0"/>
+              </a:rPr>
+              <a:t>VAR1: </a:t>
+            </a:r>
+            <a:r>
+              <a:rPr lang="en-US" altLang="en-US" sz="1400" dirty="0" err="1">
+                <a:solidFill>
+                  <a:srgbClr val="0000FF"/>
+                </a:solidFill>
+                <a:latin typeface="Courier New" panose="02070309020205020404" pitchFamily="49" charset="0"/>
+                <a:ea typeface="Calibri" panose="020F0502020204030204" pitchFamily="34" charset="0"/>
+                <a:cs typeface="Courier New" panose="02070309020205020404" pitchFamily="49" charset="0"/>
+              </a:rPr>
+              <a:t>std_logic</a:t>
+            </a:r>
+            <a:r>
+              <a:rPr lang="en-US" altLang="en-US" sz="1400" dirty="0">
+                <a:solidFill>
+                  <a:srgbClr val="0000FF"/>
+                </a:solidFill>
+                <a:latin typeface="Courier New" panose="02070309020205020404" pitchFamily="49" charset="0"/>
+                <a:ea typeface="Calibri" panose="020F0502020204030204" pitchFamily="34" charset="0"/>
+                <a:cs typeface="Courier New" panose="02070309020205020404" pitchFamily="49" charset="0"/>
+              </a:rPr>
+              <a:t>;</a:t>
             </a:r>
             <a:br>
-              <a:rPr lang="en-US" altLang="en-US" sz="1400">
+              <a:rPr lang="en-US" altLang="en-US" sz="1400" dirty="0">
                 <a:solidFill>
                   <a:srgbClr val="0000FF"/>
                 </a:solidFill>
@@ -31638,7 +31704,7 @@
               </a:rPr>
             </a:br>
             <a:r>
-              <a:rPr lang="en-US" altLang="en-US" sz="1400">
+              <a:rPr lang="en-US" altLang="en-US" sz="1400" dirty="0">
                 <a:solidFill>
                   <a:srgbClr val="0000FF"/>
                 </a:solidFill>
@@ -31649,7 +31715,7 @@
               <a:t>   begin</a:t>
             </a:r>
             <a:br>
-              <a:rPr lang="en-US" altLang="en-US" sz="1400">
+              <a:rPr lang="en-US" altLang="en-US" sz="1400" dirty="0">
                 <a:solidFill>
                   <a:srgbClr val="0000FF"/>
                 </a:solidFill>
@@ -31659,7 +31725,7 @@
               </a:rPr>
             </a:br>
             <a:r>
-              <a:rPr lang="en-US" altLang="en-US" sz="1400">
+              <a:rPr lang="en-US" altLang="en-US" sz="1400" dirty="0">
                 <a:solidFill>
                   <a:srgbClr val="0000FF"/>
                 </a:solidFill>
@@ -31667,10 +31733,32 @@
                 <a:ea typeface="Calibri" panose="020F0502020204030204" pitchFamily="34" charset="0"/>
                 <a:cs typeface="Courier New" panose="02070309020205020404" pitchFamily="49" charset="0"/>
               </a:rPr>
-              <a:t>      if CLOCK`event and CLOCK = `1` then</a:t>
+              <a:t>      if </a:t>
+            </a:r>
+            <a:r>
+              <a:rPr lang="en-US" altLang="en-US" sz="1400" dirty="0" err="1">
+                <a:solidFill>
+                  <a:srgbClr val="0000FF"/>
+                </a:solidFill>
+                <a:latin typeface="Courier New" panose="02070309020205020404" pitchFamily="49" charset="0"/>
+                <a:ea typeface="Calibri" panose="020F0502020204030204" pitchFamily="34" charset="0"/>
+                <a:cs typeface="Courier New" panose="02070309020205020404" pitchFamily="49" charset="0"/>
+              </a:rPr>
+              <a:t>CLOCK`event</a:t>
+            </a:r>
+            <a:r>
+              <a:rPr lang="en-US" altLang="en-US" sz="1400" dirty="0">
+                <a:solidFill>
+                  <a:srgbClr val="0000FF"/>
+                </a:solidFill>
+                <a:latin typeface="Courier New" panose="02070309020205020404" pitchFamily="49" charset="0"/>
+                <a:ea typeface="Calibri" panose="020F0502020204030204" pitchFamily="34" charset="0"/>
+                <a:cs typeface="Courier New" panose="02070309020205020404" pitchFamily="49" charset="0"/>
+              </a:rPr>
+              <a:t> and CLOCK = `1` then</a:t>
             </a:r>
             <a:br>
-              <a:rPr lang="en-US" altLang="en-US" sz="1400">
+              <a:rPr lang="en-US" altLang="en-US" sz="1400" dirty="0">
                 <a:solidFill>
                   <a:srgbClr val="0000FF"/>
                 </a:solidFill>
@@ -31680,7 +31768,7 @@
               </a:rPr>
             </a:br>
             <a:r>
-              <a:rPr lang="en-US" altLang="en-US" sz="1400">
+              <a:rPr lang="en-US" altLang="en-US" sz="1400" dirty="0">
                 <a:solidFill>
                   <a:srgbClr val="0000FF"/>
                 </a:solidFill>
@@ -31700,7 +31788,7 @@
               <a:buNone/>
             </a:pPr>
             <a:r>
-              <a:rPr lang="en-US" altLang="en-US" sz="1400">
+              <a:rPr lang="en-US" altLang="en-US" sz="1400" dirty="0">
                 <a:solidFill>
                   <a:srgbClr val="0000FF"/>
                 </a:solidFill>
@@ -31720,7 +31808,7 @@
               <a:buNone/>
             </a:pPr>
             <a:r>
-              <a:rPr lang="en-US" altLang="en-US" sz="1400">
+              <a:rPr lang="en-US" altLang="en-US" sz="1400" dirty="0">
                 <a:solidFill>
                   <a:srgbClr val="0000FF"/>
                 </a:solidFill>
@@ -31731,7 +31819,7 @@
               <a:t>      end if;</a:t>
             </a:r>
             <a:br>
-              <a:rPr lang="en-US" altLang="en-US" sz="1400">
+              <a:rPr lang="en-US" altLang="en-US" sz="1400" dirty="0">
                 <a:solidFill>
                   <a:srgbClr val="0000FF"/>
                 </a:solidFill>
@@ -31741,7 +31829,7 @@
               </a:rPr>
             </a:br>
             <a:r>
-              <a:rPr lang="en-US" altLang="en-US" sz="1400">
+              <a:rPr lang="en-US" altLang="en-US" sz="1400" dirty="0">
                 <a:solidFill>
                   <a:srgbClr val="0000FF"/>
                 </a:solidFill>
@@ -31752,7 +31840,7 @@
               <a:t>   end process;</a:t>
             </a:r>
             <a:br>
-              <a:rPr lang="en-US" altLang="en-US" sz="1400">
+              <a:rPr lang="en-US" altLang="en-US" sz="1400" dirty="0">
                 <a:solidFill>
                   <a:srgbClr val="0000FF"/>
                 </a:solidFill>
@@ -31762,7 +31850,7 @@
               </a:rPr>
             </a:br>
             <a:r>
-              <a:rPr lang="en-US" altLang="en-US" sz="1400">
+              <a:rPr lang="en-US" altLang="en-US" sz="1400" dirty="0">
                 <a:solidFill>
                   <a:srgbClr val="0000FF"/>
                 </a:solidFill>
@@ -35492,7 +35580,7 @@
         <p:spPr bwMode="auto">
           <a:xfrm>
             <a:off x="2339975" y="4273550"/>
-            <a:ext cx="2009775" cy="307975"/>
+            <a:ext cx="1580882" cy="307777"/>
           </a:xfrm>
           <a:prstGeom prst="rect">
             <a:avLst/>
@@ -35673,7 +35761,7 @@
               <a:buNone/>
             </a:pPr>
             <a:r>
-              <a:rPr lang="en-US" altLang="en-US" sz="1400">
+              <a:rPr lang="en-US" altLang="en-US" sz="1400" dirty="0">
                 <a:solidFill>
                   <a:srgbClr val="FF0000"/>
                 </a:solidFill>
@@ -35681,9 +35769,31 @@
                 <a:ea typeface="Calibri" panose="020F0502020204030204" pitchFamily="34" charset="0"/>
                 <a:cs typeface="Courier New" panose="02070309020205020404" pitchFamily="49" charset="0"/>
               </a:rPr>
-              <a:t> range 0 downto 3</a:t>
-            </a:r>
-            <a:endParaRPr lang="en-US" altLang="en-US" sz="2100" b="0">
+              <a:t> range 0 </a:t>
+            </a:r>
+            <a:r>
+              <a:rPr lang="en-US" altLang="en-US" sz="1400" dirty="0" smtClean="0">
+                <a:solidFill>
+                  <a:srgbClr val="FF0000"/>
+                </a:solidFill>
+                <a:latin typeface="Courier New" panose="02070309020205020404" pitchFamily="49" charset="0"/>
+                <a:ea typeface="Calibri" panose="020F0502020204030204" pitchFamily="34" charset="0"/>
+                <a:cs typeface="Courier New" panose="02070309020205020404" pitchFamily="49" charset="0"/>
+              </a:rPr>
+              <a:t>to </a:t>
+            </a:r>
+            <a:r>
+              <a:rPr lang="en-US" altLang="en-US" sz="1400" dirty="0">
+                <a:solidFill>
+                  <a:srgbClr val="FF0000"/>
+                </a:solidFill>
+                <a:latin typeface="Courier New" panose="02070309020205020404" pitchFamily="49" charset="0"/>
+                <a:ea typeface="Calibri" panose="020F0502020204030204" pitchFamily="34" charset="0"/>
+                <a:cs typeface="Courier New" panose="02070309020205020404" pitchFamily="49" charset="0"/>
+              </a:rPr>
+              <a:t>3</a:t>
+            </a:r>
+            <a:endParaRPr lang="en-US" altLang="en-US" sz="2100" b="0" dirty="0">
               <a:solidFill>
                 <a:srgbClr val="FF0000"/>
               </a:solidFill>
